--- a/Libro1_v2022.2.pptx
+++ b/Libro1_v2022.2.pptx
@@ -7,6 +7,8 @@
   <p:sldIdLst>
     <p:sldId id="256" r:id="rId6"/>
     <p:sldId id="257" r:id="rId7"/>
+    <p:sldId id="258" r:id="rId8"/>
+    <p:sldId id="259" r:id="rId9"/>
   </p:sldIdLst>
   <p:sldSz cx="12192000" cy="6858000"/>
   <p:notesSz cx="6858000" cy="9144000"/>
@@ -3327,7 +3329,7 @@
           <p:cNvPr id="0" name="slide1">
             <a:extLst>
               <a:ext uri="{FF2B5EF4-FFF2-40B4-BE49-F238E27FC236}">
-                <a16:creationId xmlns:a16="http://schemas.microsoft.com/office/drawing/2014/main" id="{EA71ECBF-4303-430D-AA3D-79AE40883F49}"/>
+                <a16:creationId xmlns:a16="http://schemas.microsoft.com/office/drawing/2014/main" id="{E78CE2F6-312B-4C0F-8E46-C82F051DB2DC}"/>
               </a:ext>
             </a:extLst>
           </p:cNvPr>
@@ -3355,7 +3357,7 @@
           <p:cNvPr id="1" name="slide1">
             <a:extLst>
               <a:ext uri="{FF2B5EF4-FFF2-40B4-BE49-F238E27FC236}">
-                <a16:creationId xmlns:a16="http://schemas.microsoft.com/office/drawing/2014/main" id="{70AEEDCF-8998-4F67-8E5C-B1414EB12BB8}"/>
+                <a16:creationId xmlns:a16="http://schemas.microsoft.com/office/drawing/2014/main" id="{4029D274-0C89-49C6-92C0-B2401E3FF1B2}"/>
               </a:ext>
             </a:extLst>
           </p:cNvPr>
@@ -3373,7 +3375,7 @@
           <a:p>
             <a:r>
               <a:rPr/>
-              <a:t>Archivo creado el: 10/12/2022 11:06:20 a. m.</a:t>
+              <a:t>Archivo creado el: 10/12/2022 11:44:14 a. m.</a:t>
             </a:r>
           </a:p>
         </p:txBody>
@@ -3413,7 +3415,7 @@
           <p:cNvPr descr="Porcentaje de mosquitos Vectores a lo largo del 2019" id="2" name="slide2">
             <a:extLst>
               <a:ext uri="{FF2B5EF4-FFF2-40B4-BE49-F238E27FC236}">
-                <a16:creationId xmlns:a16="http://schemas.microsoft.com/office/drawing/2014/main" id="{39DA4900-49EC-4C5D-A123-64A297036248}"/>
+                <a16:creationId xmlns:a16="http://schemas.microsoft.com/office/drawing/2014/main" id="{9C898ACD-A17E-460E-9D76-A925B11E0E6C}"/>
               </a:ext>
             </a:extLst>
           </p:cNvPr>
@@ -3438,6 +3440,138 @@
           <a:xfrm>
             <a:off x="0" y="23413"/>
             <a:ext cx="12192000" cy="6811173"/>
+          </a:xfrm>
+          <a:prstGeom prst="rect">
+            <a:avLst/>
+          </a:prstGeom>
+        </p:spPr>
+      </p:pic>
+    </p:spTree>
+    <p:extLst>
+      <p:ext uri="{BB962C8B-B14F-4D97-AF65-F5344CB8AC3E}">
+        <p14:creationId xmlns:p14="http://schemas.microsoft.com/office/powerpoint/2010/main" val="95992585"/>
+      </p:ext>
+    </p:extLst>
+  </p:cSld>
+  <p:clrMapOvr>
+    <a:masterClrMapping/>
+  </p:clrMapOvr>
+</p:sld>
+</file>
+
+<file path=ppt/slides/slide3.xml><?xml version="1.0" encoding="utf-8"?>
+<p:sld xmlns:a="http://schemas.openxmlformats.org/drawingml/2006/main" xmlns:p="http://schemas.openxmlformats.org/presentationml/2006/main" xmlns:r="http://schemas.openxmlformats.org/officeDocument/2006/relationships">
+  <p:cSld>
+    <p:spTree>
+      <p:nvGrpSpPr>
+        <p:cNvPr id="1" name=""/>
+        <p:cNvGrpSpPr/>
+        <p:nvPr/>
+      </p:nvGrpSpPr>
+      <p:grpSpPr>
+        <a:xfrm>
+          <a:off x="0" y="0"/>
+          <a:ext cx="0" cy="0"/>
+          <a:chOff x="0" y="0"/>
+          <a:chExt cx="0" cy="0"/>
+        </a:xfrm>
+      </p:grpSpPr>
+      <p:pic>
+        <p:nvPicPr>
+          <p:cNvPr descr="Colecta de mosquitos por semana 2019" id="3" name="slide3">
+            <a:extLst>
+              <a:ext uri="{FF2B5EF4-FFF2-40B4-BE49-F238E27FC236}">
+                <a16:creationId xmlns:a16="http://schemas.microsoft.com/office/drawing/2014/main" id="{2B431ED4-8105-4C6A-BA30-0E96DAE3CECD}"/>
+              </a:ext>
+            </a:extLst>
+          </p:cNvPr>
+          <p:cNvPicPr>
+            <a:picLocks noChangeAspect="1"/>
+          </p:cNvPicPr>
+          <p:nvPr/>
+        </p:nvPicPr>
+        <p:blipFill>
+          <a:blip r:embed="rId8">
+            <a:extLst>
+              <a:ext uri="{28A0092B-C50C-407E-A947-70E740481C1C}">
+                <a14:useLocalDpi xmlns:a14="http://schemas.microsoft.com/office/drawing/2010/main" val="0"/>
+              </a:ext>
+            </a:extLst>
+          </a:blip>
+          <a:stretch>
+            <a:fillRect/>
+          </a:stretch>
+        </p:blipFill>
+        <p:spPr>
+          <a:xfrm>
+            <a:off x="0" y="1394967"/>
+            <a:ext cx="12192000" cy="4068065"/>
+          </a:xfrm>
+          <a:prstGeom prst="rect">
+            <a:avLst/>
+          </a:prstGeom>
+        </p:spPr>
+      </p:pic>
+    </p:spTree>
+    <p:extLst>
+      <p:ext uri="{BB962C8B-B14F-4D97-AF65-F5344CB8AC3E}">
+        <p14:creationId xmlns:p14="http://schemas.microsoft.com/office/powerpoint/2010/main" val="95992585"/>
+      </p:ext>
+    </p:extLst>
+  </p:cSld>
+  <p:clrMapOvr>
+    <a:masterClrMapping/>
+  </p:clrMapOvr>
+</p:sld>
+</file>
+
+<file path=ppt/slides/slide4.xml><?xml version="1.0" encoding="utf-8"?>
+<p:sld xmlns:a="http://schemas.openxmlformats.org/drawingml/2006/main" xmlns:p="http://schemas.openxmlformats.org/presentationml/2006/main" xmlns:r="http://schemas.openxmlformats.org/officeDocument/2006/relationships">
+  <p:cSld>
+    <p:spTree>
+      <p:nvGrpSpPr>
+        <p:cNvPr id="1" name=""/>
+        <p:cNvGrpSpPr/>
+        <p:nvPr/>
+      </p:nvGrpSpPr>
+      <p:grpSpPr>
+        <a:xfrm>
+          <a:off x="0" y="0"/>
+          <a:ext cx="0" cy="0"/>
+          <a:chOff x="0" y="0"/>
+          <a:chExt cx="0" cy="0"/>
+        </a:xfrm>
+      </p:grpSpPr>
+      <p:pic>
+        <p:nvPicPr>
+          <p:cNvPr descr="Hermosillo Mosquitos Colectados y su Porcentaje Como Posible Trasmisor de Dengue en 2019" id="4" name="slide4">
+            <a:extLst>
+              <a:ext uri="{FF2B5EF4-FFF2-40B4-BE49-F238E27FC236}">
+                <a16:creationId xmlns:a16="http://schemas.microsoft.com/office/drawing/2014/main" id="{1A47B731-06E7-4CAF-BF34-C34B332D3082}"/>
+              </a:ext>
+            </a:extLst>
+          </p:cNvPr>
+          <p:cNvPicPr>
+            <a:picLocks noChangeAspect="1"/>
+          </p:cNvPicPr>
+          <p:nvPr/>
+        </p:nvPicPr>
+        <p:blipFill>
+          <a:blip r:embed="rId9">
+            <a:extLst>
+              <a:ext uri="{28A0092B-C50C-407E-A947-70E740481C1C}">
+                <a14:useLocalDpi xmlns:a14="http://schemas.microsoft.com/office/drawing/2010/main" val="0"/>
+              </a:ext>
+            </a:extLst>
+          </a:blip>
+          <a:stretch>
+            <a:fillRect/>
+          </a:stretch>
+        </p:blipFill>
+        <p:spPr>
+          <a:xfrm>
+            <a:off x="0" y="25790"/>
+            <a:ext cx="12192000" cy="6806420"/>
           </a:xfrm>
           <a:prstGeom prst="rect">
             <a:avLst/>
